--- a/PPT/Python/class 4.pptx
+++ b/PPT/Python/class 4.pptx
@@ -7,13 +7,12 @@
   <p:sldIdLst>
     <p:sldId id="265" r:id="rId2"/>
     <p:sldId id="263" r:id="rId3"/>
-    <p:sldId id="276" r:id="rId4"/>
-    <p:sldId id="266" r:id="rId5"/>
-    <p:sldId id="273" r:id="rId6"/>
-    <p:sldId id="274" r:id="rId7"/>
-    <p:sldId id="275" r:id="rId8"/>
-    <p:sldId id="272" r:id="rId9"/>
-    <p:sldId id="268" r:id="rId10"/>
+    <p:sldId id="266" r:id="rId4"/>
+    <p:sldId id="273" r:id="rId5"/>
+    <p:sldId id="274" r:id="rId6"/>
+    <p:sldId id="275" r:id="rId7"/>
+    <p:sldId id="276" r:id="rId8"/>
+    <p:sldId id="268" r:id="rId9"/>
   </p:sldIdLst>
   <p:sldSz cx="9144000" cy="6858000" type="screen4x3"/>
   <p:notesSz cx="6858000" cy="9144000"/>
@@ -462,7 +461,7 @@
           <a:p>
             <a:fld id="{F2660061-179A-47E0-86E3-D8374BC4401E}" type="datetimeFigureOut">
               <a:rPr lang="en-US" smtClean="0"/>
-              <a:t>8/3/2021</a:t>
+              <a:t>10/19/2021</a:t>
             </a:fld>
             <a:endParaRPr lang="en-US"/>
           </a:p>
@@ -786,7 +785,7 @@
           <a:p>
             <a:fld id="{F2660061-179A-47E0-86E3-D8374BC4401E}" type="datetimeFigureOut">
               <a:rPr lang="en-US" smtClean="0"/>
-              <a:t>8/3/2021</a:t>
+              <a:t>10/19/2021</a:t>
             </a:fld>
             <a:endParaRPr lang="en-US"/>
           </a:p>
@@ -1034,7 +1033,7 @@
           <a:p>
             <a:fld id="{F2660061-179A-47E0-86E3-D8374BC4401E}" type="datetimeFigureOut">
               <a:rPr lang="en-US" smtClean="0"/>
-              <a:t>8/3/2021</a:t>
+              <a:t>10/19/2021</a:t>
             </a:fld>
             <a:endParaRPr lang="en-US"/>
           </a:p>
@@ -1373,7 +1372,7 @@
           <a:p>
             <a:fld id="{F2660061-179A-47E0-86E3-D8374BC4401E}" type="datetimeFigureOut">
               <a:rPr lang="en-US" smtClean="0"/>
-              <a:t>8/3/2021</a:t>
+              <a:t>10/19/2021</a:t>
             </a:fld>
             <a:endParaRPr lang="en-US"/>
           </a:p>
@@ -1720,7 +1719,7 @@
           <a:p>
             <a:fld id="{F2660061-179A-47E0-86E3-D8374BC4401E}" type="datetimeFigureOut">
               <a:rPr lang="en-US" smtClean="0"/>
-              <a:t>8/3/2021</a:t>
+              <a:t>10/19/2021</a:t>
             </a:fld>
             <a:endParaRPr lang="en-US"/>
           </a:p>
@@ -2094,7 +2093,7 @@
           <a:p>
             <a:fld id="{F2660061-179A-47E0-86E3-D8374BC4401E}" type="datetimeFigureOut">
               <a:rPr lang="en-US" smtClean="0"/>
-              <a:t>8/3/2021</a:t>
+              <a:t>10/19/2021</a:t>
             </a:fld>
             <a:endParaRPr lang="en-US"/>
           </a:p>
@@ -2564,7 +2563,7 @@
           <a:p>
             <a:fld id="{F2660061-179A-47E0-86E3-D8374BC4401E}" type="datetimeFigureOut">
               <a:rPr lang="en-US" smtClean="0"/>
-              <a:t>8/3/2021</a:t>
+              <a:t>10/19/2021</a:t>
             </a:fld>
             <a:endParaRPr lang="en-US"/>
           </a:p>
@@ -2774,7 +2773,7 @@
           <a:p>
             <a:fld id="{F2660061-179A-47E0-86E3-D8374BC4401E}" type="datetimeFigureOut">
               <a:rPr lang="en-US" smtClean="0"/>
-              <a:t>8/3/2021</a:t>
+              <a:t>10/19/2021</a:t>
             </a:fld>
             <a:endParaRPr lang="en-US"/>
           </a:p>
@@ -2985,7 +2984,7 @@
           <a:p>
             <a:fld id="{F2660061-179A-47E0-86E3-D8374BC4401E}" type="datetimeFigureOut">
               <a:rPr lang="en-US" smtClean="0"/>
-              <a:t>8/3/2021</a:t>
+              <a:t>10/19/2021</a:t>
             </a:fld>
             <a:endParaRPr lang="en-US"/>
           </a:p>
@@ -3217,7 +3216,7 @@
           <a:p>
             <a:fld id="{F2660061-179A-47E0-86E3-D8374BC4401E}" type="datetimeFigureOut">
               <a:rPr lang="en-US" smtClean="0"/>
-              <a:t>8/3/2021</a:t>
+              <a:t>10/19/2021</a:t>
             </a:fld>
             <a:endParaRPr lang="en-US"/>
           </a:p>
@@ -3465,7 +3464,7 @@
           <a:p>
             <a:fld id="{F2660061-179A-47E0-86E3-D8374BC4401E}" type="datetimeFigureOut">
               <a:rPr lang="en-US" smtClean="0"/>
-              <a:t>8/3/2021</a:t>
+              <a:t>10/19/2021</a:t>
             </a:fld>
             <a:endParaRPr lang="en-US"/>
           </a:p>
@@ -3768,7 +3767,7 @@
           <a:p>
             <a:fld id="{F2660061-179A-47E0-86E3-D8374BC4401E}" type="datetimeFigureOut">
               <a:rPr lang="en-US" smtClean="0"/>
-              <a:t>8/3/2021</a:t>
+              <a:t>10/19/2021</a:t>
             </a:fld>
             <a:endParaRPr lang="en-US"/>
           </a:p>
@@ -4150,7 +4149,7 @@
           <a:p>
             <a:fld id="{F2660061-179A-47E0-86E3-D8374BC4401E}" type="datetimeFigureOut">
               <a:rPr lang="en-US" smtClean="0"/>
-              <a:t>8/3/2021</a:t>
+              <a:t>10/19/2021</a:t>
             </a:fld>
             <a:endParaRPr lang="en-US"/>
           </a:p>
@@ -4304,7 +4303,7 @@
           <a:p>
             <a:fld id="{F2660061-179A-47E0-86E3-D8374BC4401E}" type="datetimeFigureOut">
               <a:rPr lang="en-US" smtClean="0"/>
-              <a:t>8/3/2021</a:t>
+              <a:t>10/19/2021</a:t>
             </a:fld>
             <a:endParaRPr lang="en-US"/>
           </a:p>
@@ -4430,7 +4429,7 @@
           <a:p>
             <a:fld id="{F2660061-179A-47E0-86E3-D8374BC4401E}" type="datetimeFigureOut">
               <a:rPr lang="en-US" smtClean="0"/>
-              <a:t>8/3/2021</a:t>
+              <a:t>10/19/2021</a:t>
             </a:fld>
             <a:endParaRPr lang="en-US"/>
           </a:p>
@@ -4685,7 +4684,7 @@
           <a:p>
             <a:fld id="{F2660061-179A-47E0-86E3-D8374BC4401E}" type="datetimeFigureOut">
               <a:rPr lang="en-US" smtClean="0"/>
-              <a:t>8/3/2021</a:t>
+              <a:t>10/19/2021</a:t>
             </a:fld>
             <a:endParaRPr lang="en-US"/>
           </a:p>
@@ -4999,7 +4998,7 @@
           <a:p>
             <a:fld id="{F2660061-179A-47E0-86E3-D8374BC4401E}" type="datetimeFigureOut">
               <a:rPr lang="en-US" smtClean="0"/>
-              <a:t>8/3/2021</a:t>
+              <a:t>10/19/2021</a:t>
             </a:fld>
             <a:endParaRPr lang="en-US"/>
           </a:p>
@@ -5350,7 +5349,7 @@
           <a:p>
             <a:fld id="{F2660061-179A-47E0-86E3-D8374BC4401E}" type="datetimeFigureOut">
               <a:rPr lang="en-US" smtClean="0"/>
-              <a:t>8/3/2021</a:t>
+              <a:t>10/19/2021</a:t>
             </a:fld>
             <a:endParaRPr lang="en-US"/>
           </a:p>
@@ -6065,7 +6064,7 @@
           <p:cNvPr id="2" name="Title 1">
             <a:extLst>
               <a:ext uri="{FF2B5EF4-FFF2-40B4-BE49-F238E27FC236}">
-                <a16:creationId xmlns:a16="http://schemas.microsoft.com/office/drawing/2014/main" id="{A8323C09-DD1D-4C92-933A-31ABFC77189F}"/>
+                <a16:creationId xmlns:a16="http://schemas.microsoft.com/office/drawing/2014/main" id="{AC26085C-447A-4EB3-A14C-1289835B51C1}"/>
               </a:ext>
             </a:extLst>
           </p:cNvPr>
@@ -6073,93 +6072,76 @@
             <a:spLocks noGrp="1"/>
           </p:cNvSpPr>
           <p:nvPr>
-            <p:ph type="title"/>
-          </p:nvPr>
-        </p:nvSpPr>
-        <p:spPr/>
+            <p:ph type="ctrTitle"/>
+          </p:nvPr>
+        </p:nvSpPr>
+        <p:spPr>
+          <a:xfrm>
+            <a:off x="1925382" y="2420888"/>
+            <a:ext cx="5308866" cy="834500"/>
+          </a:xfrm>
+        </p:spPr>
         <p:txBody>
           <a:bodyPr/>
           <a:lstStyle/>
           <a:p>
             <a:r>
-              <a:rPr lang="en-IN" dirty="0"/>
-              <a:t>Day 5 H.W.</a:t>
-            </a:r>
-          </a:p>
-        </p:txBody>
-      </p:sp>
-      <p:sp>
-        <p:nvSpPr>
-          <p:cNvPr id="4" name="TextBox 3">
+              <a:rPr lang="en-IN" u="sng" dirty="0"/>
+              <a:t>Class Overview</a:t>
+            </a:r>
+          </a:p>
+        </p:txBody>
+      </p:sp>
+      <p:sp>
+        <p:nvSpPr>
+          <p:cNvPr id="3" name="Subtitle 2">
             <a:extLst>
               <a:ext uri="{FF2B5EF4-FFF2-40B4-BE49-F238E27FC236}">
-                <a16:creationId xmlns:a16="http://schemas.microsoft.com/office/drawing/2014/main" id="{2C42672F-448F-4011-8E1C-E401C073F8AD}"/>
+                <a16:creationId xmlns:a16="http://schemas.microsoft.com/office/drawing/2014/main" id="{E1CC6EA9-97F8-4CBC-842C-A9A50896B530}"/>
               </a:ext>
             </a:extLst>
           </p:cNvPr>
-          <p:cNvSpPr txBox="1"/>
-          <p:nvPr/>
+          <p:cNvSpPr>
+            <a:spLocks noGrp="1"/>
+          </p:cNvSpPr>
+          <p:nvPr>
+            <p:ph type="subTitle" idx="1"/>
+          </p:nvPr>
         </p:nvSpPr>
         <p:spPr>
           <a:xfrm>
-            <a:off x="2195736" y="2924944"/>
-            <a:ext cx="4576396" cy="2031325"/>
-          </a:xfrm>
-          <a:prstGeom prst="rect">
-            <a:avLst/>
-          </a:prstGeom>
-          <a:noFill/>
+            <a:off x="1921934" y="3705875"/>
+            <a:ext cx="5746410" cy="1811357"/>
+          </a:xfrm>
         </p:spPr>
         <p:txBody>
-          <a:bodyPr wrap="square">
-            <a:spAutoFit/>
+          <a:bodyPr>
+            <a:normAutofit/>
           </a:bodyPr>
           <a:lstStyle/>
           <a:p>
-            <a:r>
-              <a:rPr lang="en-IN" dirty="0"/>
-              <a:t>age=int(input("Insert the age"))</a:t>
-            </a:r>
-          </a:p>
-          <a:p>
-            <a:r>
-              <a:rPr lang="en-IN" dirty="0"/>
-              <a:t>print("Age : ",age)</a:t>
-            </a:r>
-          </a:p>
-          <a:p>
-            <a:r>
-              <a:rPr lang="en-IN" dirty="0"/>
-              <a:t>print(type(age))</a:t>
-            </a:r>
-          </a:p>
-          <a:p>
+            <a:pPr algn="l"/>
+            <a:br>
+              <a:rPr lang="en-GB" dirty="0"/>
+            </a:br>
+            <a:r>
+              <a:rPr lang="en-GB" b="0" i="0" dirty="0">
+                <a:solidFill>
+                  <a:srgbClr val="000000"/>
+                </a:solidFill>
+                <a:effectLst/>
+                <a:latin typeface="Montserrat"/>
+              </a:rPr>
+              <a:t>Class 4: 	• Input and Output.</a:t>
+            </a:r>
             <a:endParaRPr lang="en-IN" dirty="0"/>
-          </a:p>
-          <a:p>
-            <a:r>
-              <a:rPr lang="en-IN" dirty="0"/>
-              <a:t>percentage=float(input("Insert the percentage"))</a:t>
-            </a:r>
-          </a:p>
-          <a:p>
-            <a:r>
-              <a:rPr lang="en-IN" dirty="0"/>
-              <a:t>print("Percentage : ",percentage)</a:t>
-            </a:r>
-          </a:p>
-          <a:p>
-            <a:r>
-              <a:rPr lang="en-IN" dirty="0"/>
-              <a:t>print(type(percentage))</a:t>
-            </a:r>
           </a:p>
         </p:txBody>
       </p:sp>
     </p:spTree>
     <p:extLst>
       <p:ext uri="{BB962C8B-B14F-4D97-AF65-F5344CB8AC3E}">
-        <p14:creationId xmlns:p14="http://schemas.microsoft.com/office/powerpoint/2010/main" val="3044666459"/>
+        <p14:creationId xmlns:p14="http://schemas.microsoft.com/office/powerpoint/2010/main" val="2661349699"/>
       </p:ext>
     </p:extLst>
   </p:cSld>
@@ -6191,7 +6173,7 @@
           <p:cNvPr id="2" name="Title 1">
             <a:extLst>
               <a:ext uri="{FF2B5EF4-FFF2-40B4-BE49-F238E27FC236}">
-                <a16:creationId xmlns:a16="http://schemas.microsoft.com/office/drawing/2014/main" id="{AC26085C-447A-4EB3-A14C-1289835B51C1}"/>
+                <a16:creationId xmlns:a16="http://schemas.microsoft.com/office/drawing/2014/main" id="{98D6AD52-63F8-4C62-9EC8-FE4B1DD37788}"/>
               </a:ext>
             </a:extLst>
           </p:cNvPr>
@@ -6199,76 +6181,60 @@
             <a:spLocks noGrp="1"/>
           </p:cNvSpPr>
           <p:nvPr>
-            <p:ph type="ctrTitle"/>
-          </p:nvPr>
-        </p:nvSpPr>
-        <p:spPr>
-          <a:xfrm>
-            <a:off x="1925382" y="2420888"/>
-            <a:ext cx="5308866" cy="834500"/>
-          </a:xfrm>
-        </p:spPr>
+            <p:ph type="title"/>
+          </p:nvPr>
+        </p:nvSpPr>
+        <p:spPr/>
         <p:txBody>
           <a:bodyPr/>
           <a:lstStyle/>
           <a:p>
             <a:r>
-              <a:rPr lang="en-IN" u="sng" dirty="0"/>
-              <a:t>Class Overview</a:t>
-            </a:r>
-          </a:p>
-        </p:txBody>
-      </p:sp>
-      <p:sp>
-        <p:nvSpPr>
-          <p:cNvPr id="3" name="Subtitle 2">
+              <a:rPr lang="en-IN" b="1" dirty="0"/>
+              <a:t>Syntax </a:t>
+            </a:r>
+          </a:p>
+        </p:txBody>
+      </p:sp>
+      <p:sp>
+        <p:nvSpPr>
+          <p:cNvPr id="3" name="TextBox 2">
             <a:extLst>
               <a:ext uri="{FF2B5EF4-FFF2-40B4-BE49-F238E27FC236}">
-                <a16:creationId xmlns:a16="http://schemas.microsoft.com/office/drawing/2014/main" id="{E1CC6EA9-97F8-4CBC-842C-A9A50896B530}"/>
+                <a16:creationId xmlns:a16="http://schemas.microsoft.com/office/drawing/2014/main" id="{B678B7F9-039B-4EA3-8947-E4A8AFAAE1B7}"/>
               </a:ext>
             </a:extLst>
           </p:cNvPr>
-          <p:cNvSpPr>
-            <a:spLocks noGrp="1"/>
-          </p:cNvSpPr>
-          <p:nvPr>
-            <p:ph type="subTitle" idx="1"/>
-          </p:nvPr>
+          <p:cNvSpPr txBox="1"/>
+          <p:nvPr/>
         </p:nvSpPr>
         <p:spPr>
           <a:xfrm>
-            <a:off x="1921934" y="3705875"/>
-            <a:ext cx="5746410" cy="1811357"/>
-          </a:xfrm>
+            <a:off x="1176865" y="2708920"/>
+            <a:ext cx="6798735" cy="369332"/>
+          </a:xfrm>
+          <a:prstGeom prst="rect">
+            <a:avLst/>
+          </a:prstGeom>
+          <a:noFill/>
         </p:spPr>
         <p:txBody>
-          <a:bodyPr>
-            <a:normAutofit/>
+          <a:bodyPr wrap="square" rtlCol="0">
+            <a:spAutoFit/>
           </a:bodyPr>
           <a:lstStyle/>
           <a:p>
-            <a:pPr algn="l"/>
-            <a:br>
-              <a:rPr lang="en-GB" dirty="0"/>
-            </a:br>
-            <a:r>
-              <a:rPr lang="en-GB" b="0" i="0" dirty="0">
-                <a:solidFill>
-                  <a:srgbClr val="000000"/>
-                </a:solidFill>
-                <a:effectLst/>
-                <a:latin typeface="Montserrat"/>
-              </a:rPr>
-              <a:t>Class 4: 	• Input and Output.</a:t>
-            </a:r>
-            <a:endParaRPr lang="en-IN" dirty="0"/>
+            <a:r>
+              <a:rPr lang="en-IN" dirty="0"/>
+              <a:t>C1=input()</a:t>
+            </a:r>
           </a:p>
         </p:txBody>
       </p:sp>
     </p:spTree>
     <p:extLst>
       <p:ext uri="{BB962C8B-B14F-4D97-AF65-F5344CB8AC3E}">
-        <p14:creationId xmlns:p14="http://schemas.microsoft.com/office/powerpoint/2010/main" val="2661349699"/>
+        <p14:creationId xmlns:p14="http://schemas.microsoft.com/office/powerpoint/2010/main" val="4117352936"/>
       </p:ext>
     </p:extLst>
   </p:cSld>
@@ -6300,7 +6266,7 @@
           <p:cNvPr id="2" name="Title 1">
             <a:extLst>
               <a:ext uri="{FF2B5EF4-FFF2-40B4-BE49-F238E27FC236}">
-                <a16:creationId xmlns:a16="http://schemas.microsoft.com/office/drawing/2014/main" id="{98D6AD52-63F8-4C62-9EC8-FE4B1DD37788}"/>
+                <a16:creationId xmlns:a16="http://schemas.microsoft.com/office/drawing/2014/main" id="{95A691B2-B42E-4365-AA00-FC1728D72DBC}"/>
               </a:ext>
             </a:extLst>
           </p:cNvPr>
@@ -6317,8 +6283,8 @@
           <a:lstStyle/>
           <a:p>
             <a:r>
-              <a:rPr lang="en-IN" b="1" dirty="0"/>
-              <a:t>Syntax </a:t>
+              <a:rPr lang="en-IN" dirty="0"/>
+              <a:t>Example</a:t>
             </a:r>
           </a:p>
         </p:txBody>
@@ -6328,7 +6294,7 @@
           <p:cNvPr id="3" name="TextBox 2">
             <a:extLst>
               <a:ext uri="{FF2B5EF4-FFF2-40B4-BE49-F238E27FC236}">
-                <a16:creationId xmlns:a16="http://schemas.microsoft.com/office/drawing/2014/main" id="{B678B7F9-039B-4EA3-8947-E4A8AFAAE1B7}"/>
+                <a16:creationId xmlns:a16="http://schemas.microsoft.com/office/drawing/2014/main" id="{E5764045-3B6C-45E6-9D8E-86F00CF0C79C}"/>
               </a:ext>
             </a:extLst>
           </p:cNvPr>
@@ -6337,8 +6303,8 @@
         </p:nvSpPr>
         <p:spPr>
           <a:xfrm>
-            <a:off x="1176865" y="2708920"/>
-            <a:ext cx="6798735" cy="369332"/>
+            <a:off x="1259632" y="2636912"/>
+            <a:ext cx="4320480" cy="3416320"/>
           </a:xfrm>
           <a:prstGeom prst="rect">
             <a:avLst/>
@@ -6352,16 +6318,79 @@
           <a:lstStyle/>
           <a:p>
             <a:r>
-              <a:rPr lang="en-IN" dirty="0"/>
-              <a:t>C1=input()</a:t>
-            </a:r>
+              <a:rPr lang="en-GB" dirty="0"/>
+              <a:t>print("Enter your details")</a:t>
+            </a:r>
+          </a:p>
+          <a:p>
+            <a:r>
+              <a:rPr lang="en-GB" dirty="0"/>
+              <a:t>print("Provide your Name")</a:t>
+            </a:r>
+          </a:p>
+          <a:p>
+            <a:r>
+              <a:rPr lang="en-GB" dirty="0"/>
+              <a:t>name=input()</a:t>
+            </a:r>
+          </a:p>
+          <a:p>
+            <a:r>
+              <a:rPr lang="en-GB" dirty="0"/>
+              <a:t>print("Insert your age")</a:t>
+            </a:r>
+          </a:p>
+          <a:p>
+            <a:r>
+              <a:rPr lang="en-GB" dirty="0"/>
+              <a:t>age=input()</a:t>
+            </a:r>
+          </a:p>
+          <a:p>
+            <a:r>
+              <a:rPr lang="en-GB" dirty="0"/>
+              <a:t>print("Where do you study")</a:t>
+            </a:r>
+          </a:p>
+          <a:p>
+            <a:r>
+              <a:rPr lang="en-GB" dirty="0"/>
+              <a:t>school=input()</a:t>
+            </a:r>
+          </a:p>
+          <a:p>
+            <a:r>
+              <a:rPr lang="en-GB" dirty="0"/>
+              <a:t>print("Details:")</a:t>
+            </a:r>
+          </a:p>
+          <a:p>
+            <a:r>
+              <a:rPr lang="en-GB" dirty="0"/>
+              <a:t>print("Name : ",name)</a:t>
+            </a:r>
+          </a:p>
+          <a:p>
+            <a:r>
+              <a:rPr lang="en-GB" dirty="0"/>
+              <a:t>print("Age : ",age)</a:t>
+            </a:r>
+          </a:p>
+          <a:p>
+            <a:r>
+              <a:rPr lang="en-GB" dirty="0"/>
+              <a:t>print("School : ",school)</a:t>
+            </a:r>
+          </a:p>
+          <a:p>
+            <a:endParaRPr lang="en-IN" dirty="0"/>
           </a:p>
         </p:txBody>
       </p:sp>
     </p:spTree>
     <p:extLst>
       <p:ext uri="{BB962C8B-B14F-4D97-AF65-F5344CB8AC3E}">
-        <p14:creationId xmlns:p14="http://schemas.microsoft.com/office/powerpoint/2010/main" val="4117352936"/>
+        <p14:creationId xmlns:p14="http://schemas.microsoft.com/office/powerpoint/2010/main" val="282693574"/>
       </p:ext>
     </p:extLst>
   </p:cSld>
@@ -6393,7 +6422,7 @@
           <p:cNvPr id="2" name="Title 1">
             <a:extLst>
               <a:ext uri="{FF2B5EF4-FFF2-40B4-BE49-F238E27FC236}">
-                <a16:creationId xmlns:a16="http://schemas.microsoft.com/office/drawing/2014/main" id="{95A691B2-B42E-4365-AA00-FC1728D72DBC}"/>
+                <a16:creationId xmlns:a16="http://schemas.microsoft.com/office/drawing/2014/main" id="{99540BB9-8422-4430-89E9-E75292DCCBF7}"/>
               </a:ext>
             </a:extLst>
           </p:cNvPr>
@@ -6410,18 +6439,19 @@
           <a:lstStyle/>
           <a:p>
             <a:r>
-              <a:rPr lang="en-IN" dirty="0"/>
-              <a:t>Example</a:t>
-            </a:r>
-          </a:p>
-        </p:txBody>
-      </p:sp>
-      <p:sp>
-        <p:nvSpPr>
-          <p:cNvPr id="3" name="TextBox 2">
+              <a:rPr lang="en-IN" b="1" dirty="0" err="1"/>
+              <a:t>Eg</a:t>
+            </a:r>
+            <a:endParaRPr lang="en-IN" b="1" dirty="0"/>
+          </a:p>
+        </p:txBody>
+      </p:sp>
+      <p:sp>
+        <p:nvSpPr>
+          <p:cNvPr id="4" name="TextBox 3">
             <a:extLst>
               <a:ext uri="{FF2B5EF4-FFF2-40B4-BE49-F238E27FC236}">
-                <a16:creationId xmlns:a16="http://schemas.microsoft.com/office/drawing/2014/main" id="{E5764045-3B6C-45E6-9D8E-86F00CF0C79C}"/>
+                <a16:creationId xmlns:a16="http://schemas.microsoft.com/office/drawing/2014/main" id="{490C79C6-695A-4A97-96AC-6E6E44B2F7CE}"/>
               </a:ext>
             </a:extLst>
           </p:cNvPr>
@@ -6430,8 +6460,8 @@
         </p:nvSpPr>
         <p:spPr>
           <a:xfrm>
-            <a:off x="1259632" y="2636912"/>
-            <a:ext cx="4320480" cy="3416320"/>
+            <a:off x="1180540" y="2564904"/>
+            <a:ext cx="3247444" cy="2585323"/>
           </a:xfrm>
           <a:prstGeom prst="rect">
             <a:avLst/>
@@ -6439,85 +6469,170 @@
           <a:noFill/>
         </p:spPr>
         <p:txBody>
+          <a:bodyPr wrap="square">
+            <a:spAutoFit/>
+          </a:bodyPr>
+          <a:lstStyle/>
+          <a:p>
+            <a:r>
+              <a:rPr lang="en-IN" dirty="0"/>
+              <a:t>name=input("enter your name : ")</a:t>
+            </a:r>
+          </a:p>
+          <a:p>
+            <a:r>
+              <a:rPr lang="en-IN" dirty="0"/>
+              <a:t>print("Name inserted =" , name)</a:t>
+            </a:r>
+          </a:p>
+          <a:p>
+            <a:endParaRPr lang="en-IN" dirty="0"/>
+          </a:p>
+          <a:p>
+            <a:r>
+              <a:rPr lang="en-IN" dirty="0"/>
+              <a:t>age=int(input("Enter your age"))</a:t>
+            </a:r>
+          </a:p>
+          <a:p>
+            <a:r>
+              <a:rPr lang="en-IN" dirty="0"/>
+              <a:t>print("Age : ",age)</a:t>
+            </a:r>
+          </a:p>
+          <a:p>
+            <a:endParaRPr lang="en-IN" dirty="0"/>
+          </a:p>
+          <a:p>
+            <a:r>
+              <a:rPr lang="en-IN" dirty="0"/>
+              <a:t>print(type(name))</a:t>
+            </a:r>
+          </a:p>
+          <a:p>
+            <a:r>
+              <a:rPr lang="en-IN" dirty="0"/>
+              <a:t>print(type(age))</a:t>
+            </a:r>
+          </a:p>
+          <a:p>
+            <a:r>
+              <a:rPr lang="en-IN" dirty="0"/>
+              <a:t>Print(type(11.5))</a:t>
+            </a:r>
+          </a:p>
+        </p:txBody>
+      </p:sp>
+      <p:sp>
+        <p:nvSpPr>
+          <p:cNvPr id="5" name="TextBox 4">
+            <a:extLst>
+              <a:ext uri="{FF2B5EF4-FFF2-40B4-BE49-F238E27FC236}">
+                <a16:creationId xmlns:a16="http://schemas.microsoft.com/office/drawing/2014/main" id="{7B91BCFB-6FE5-4C59-8C0D-DDCEB481A432}"/>
+              </a:ext>
+            </a:extLst>
+          </p:cNvPr>
+          <p:cNvSpPr txBox="1"/>
+          <p:nvPr/>
+        </p:nvSpPr>
+        <p:spPr>
+          <a:xfrm>
+            <a:off x="4572000" y="2780928"/>
+            <a:ext cx="3600400" cy="2585323"/>
+          </a:xfrm>
+          <a:prstGeom prst="rect">
+            <a:avLst/>
+          </a:prstGeom>
+          <a:noFill/>
+        </p:spPr>
+        <p:txBody>
           <a:bodyPr wrap="square" rtlCol="0">
             <a:spAutoFit/>
           </a:bodyPr>
           <a:lstStyle/>
           <a:p>
             <a:r>
-              <a:rPr lang="en-GB" dirty="0"/>
-              <a:t>print("Enter your details")</a:t>
-            </a:r>
-          </a:p>
-          <a:p>
-            <a:r>
-              <a:rPr lang="en-GB" dirty="0"/>
-              <a:t>print("Provide your Name")</a:t>
-            </a:r>
-          </a:p>
-          <a:p>
-            <a:r>
-              <a:rPr lang="en-GB" dirty="0"/>
-              <a:t>name=input()</a:t>
-            </a:r>
-          </a:p>
-          <a:p>
-            <a:r>
-              <a:rPr lang="en-GB" dirty="0"/>
-              <a:t>print("Insert your age")</a:t>
-            </a:r>
-          </a:p>
-          <a:p>
-            <a:r>
-              <a:rPr lang="en-GB" dirty="0"/>
-              <a:t>age=input()</a:t>
-            </a:r>
-          </a:p>
-          <a:p>
-            <a:r>
-              <a:rPr lang="en-GB" dirty="0"/>
-              <a:t>print("Where do you study")</a:t>
-            </a:r>
-          </a:p>
-          <a:p>
-            <a:r>
-              <a:rPr lang="en-GB" dirty="0"/>
-              <a:t>school=input()</a:t>
-            </a:r>
-          </a:p>
-          <a:p>
-            <a:r>
-              <a:rPr lang="en-GB" dirty="0"/>
-              <a:t>print("Details:")</a:t>
-            </a:r>
-          </a:p>
-          <a:p>
-            <a:r>
-              <a:rPr lang="en-GB" dirty="0"/>
-              <a:t>print("Name : ",name)</a:t>
-            </a:r>
-          </a:p>
-          <a:p>
-            <a:r>
-              <a:rPr lang="en-GB" dirty="0"/>
-              <a:t>print("Age : ",age)</a:t>
-            </a:r>
-          </a:p>
-          <a:p>
-            <a:r>
-              <a:rPr lang="en-GB" dirty="0"/>
-              <a:t>print("School : ",school)</a:t>
-            </a:r>
-          </a:p>
-          <a:p>
-            <a:endParaRPr lang="en-IN" dirty="0"/>
+              <a:rPr lang="en-IN" b="1" dirty="0"/>
+              <a:t>Age=int(input(“Enter your age”))</a:t>
+            </a:r>
+          </a:p>
+          <a:p>
+            <a:endParaRPr lang="en-IN" b="1" dirty="0"/>
+          </a:p>
+          <a:p>
+            <a:pPr marL="342900" indent="-342900">
+              <a:buFont typeface="+mj-lt"/>
+              <a:buAutoNum type="arabicPeriod"/>
+            </a:pPr>
+            <a:r>
+              <a:rPr lang="en-IN" dirty="0"/>
+              <a:t>Print(“Enter your age”)</a:t>
+            </a:r>
+          </a:p>
+          <a:p>
+            <a:pPr marL="342900" indent="-342900">
+              <a:buFont typeface="+mj-lt"/>
+              <a:buAutoNum type="arabicPeriod"/>
+            </a:pPr>
+            <a:r>
+              <a:rPr lang="en-IN" dirty="0"/>
+              <a:t>Wait for user to provide the input</a:t>
+            </a:r>
+          </a:p>
+          <a:p>
+            <a:pPr marL="342900" indent="-342900">
+              <a:buFont typeface="+mj-lt"/>
+              <a:buAutoNum type="arabicPeriod"/>
+            </a:pPr>
+            <a:r>
+              <a:rPr lang="en-IN" dirty="0"/>
+              <a:t>User writes something</a:t>
+            </a:r>
+          </a:p>
+          <a:p>
+            <a:pPr marL="342900" indent="-342900">
+              <a:buFont typeface="+mj-lt"/>
+              <a:buAutoNum type="arabicPeriod"/>
+            </a:pPr>
+            <a:r>
+              <a:rPr lang="en-IN" dirty="0"/>
+              <a:t>Int(string):</a:t>
+            </a:r>
+          </a:p>
+          <a:p>
+            <a:pPr marL="342900" indent="-342900">
+              <a:buFont typeface="+mj-lt"/>
+              <a:buAutoNum type="arabicPeriod"/>
+            </a:pPr>
+            <a:r>
+              <a:rPr lang="en-IN" dirty="0"/>
+              <a:t>Convert the string to integer.</a:t>
+            </a:r>
+          </a:p>
+          <a:p>
+            <a:pPr marL="342900" indent="-342900">
+              <a:buFont typeface="+mj-lt"/>
+              <a:buAutoNum type="arabicPeriod"/>
+            </a:pPr>
+            <a:r>
+              <a:rPr lang="en-IN" dirty="0"/>
+              <a:t>Value gets stored </a:t>
+            </a:r>
+            <a:r>
+              <a:rPr lang="en-IN" dirty="0" err="1"/>
+              <a:t>insode</a:t>
+            </a:r>
+            <a:r>
+              <a:rPr lang="en-IN" dirty="0"/>
+              <a:t> the container.</a:t>
+            </a:r>
           </a:p>
         </p:txBody>
       </p:sp>
     </p:spTree>
     <p:extLst>
       <p:ext uri="{BB962C8B-B14F-4D97-AF65-F5344CB8AC3E}">
-        <p14:creationId xmlns:p14="http://schemas.microsoft.com/office/powerpoint/2010/main" val="282693574"/>
+        <p14:creationId xmlns:p14="http://schemas.microsoft.com/office/powerpoint/2010/main" val="652397489"/>
       </p:ext>
     </p:extLst>
   </p:cSld>
@@ -6549,7 +6664,7 @@
           <p:cNvPr id="2" name="Title 1">
             <a:extLst>
               <a:ext uri="{FF2B5EF4-FFF2-40B4-BE49-F238E27FC236}">
-                <a16:creationId xmlns:a16="http://schemas.microsoft.com/office/drawing/2014/main" id="{99540BB9-8422-4430-89E9-E75292DCCBF7}"/>
+                <a16:creationId xmlns:a16="http://schemas.microsoft.com/office/drawing/2014/main" id="{F3CA6B87-292D-4E9F-8FF3-6B4E38BD358E}"/>
               </a:ext>
             </a:extLst>
           </p:cNvPr>
@@ -6566,19 +6681,18 @@
           <a:lstStyle/>
           <a:p>
             <a:r>
-              <a:rPr lang="en-IN" b="1" dirty="0" err="1"/>
-              <a:t>Eg</a:t>
-            </a:r>
-            <a:endParaRPr lang="en-IN" b="1" dirty="0"/>
-          </a:p>
-        </p:txBody>
-      </p:sp>
-      <p:sp>
-        <p:nvSpPr>
-          <p:cNvPr id="4" name="TextBox 3">
+              <a:rPr lang="en-IN" dirty="0"/>
+              <a:t>Task</a:t>
+            </a:r>
+          </a:p>
+        </p:txBody>
+      </p:sp>
+      <p:sp>
+        <p:nvSpPr>
+          <p:cNvPr id="3" name="TextBox 2">
             <a:extLst>
               <a:ext uri="{FF2B5EF4-FFF2-40B4-BE49-F238E27FC236}">
-                <a16:creationId xmlns:a16="http://schemas.microsoft.com/office/drawing/2014/main" id="{490C79C6-695A-4A97-96AC-6E6E44B2F7CE}"/>
+                <a16:creationId xmlns:a16="http://schemas.microsoft.com/office/drawing/2014/main" id="{78C95B3D-9E93-47D8-8488-F8E75F16C8D1}"/>
               </a:ext>
             </a:extLst>
           </p:cNvPr>
@@ -6587,8 +6701,8 @@
         </p:nvSpPr>
         <p:spPr>
           <a:xfrm>
-            <a:off x="1180540" y="2564904"/>
-            <a:ext cx="3247444" cy="2585323"/>
+            <a:off x="1907704" y="2780928"/>
+            <a:ext cx="5400600" cy="2031325"/>
           </a:xfrm>
           <a:prstGeom prst="rect">
             <a:avLst/>
@@ -6596,162 +6710,52 @@
           <a:noFill/>
         </p:spPr>
         <p:txBody>
-          <a:bodyPr wrap="square">
-            <a:spAutoFit/>
-          </a:bodyPr>
-          <a:lstStyle/>
-          <a:p>
-            <a:r>
-              <a:rPr lang="en-IN" dirty="0"/>
-              <a:t>name=input("enter your name : ")</a:t>
-            </a:r>
-          </a:p>
-          <a:p>
-            <a:r>
-              <a:rPr lang="en-IN" dirty="0"/>
-              <a:t>print("Name inserted =" , name)</a:t>
-            </a:r>
-          </a:p>
-          <a:p>
-            <a:endParaRPr lang="en-IN" dirty="0"/>
-          </a:p>
-          <a:p>
-            <a:r>
-              <a:rPr lang="en-IN" dirty="0"/>
-              <a:t>age=int(input("Enter your age"))</a:t>
-            </a:r>
-          </a:p>
-          <a:p>
-            <a:r>
-              <a:rPr lang="en-IN" dirty="0"/>
-              <a:t>print("Age : ",age)</a:t>
-            </a:r>
-          </a:p>
-          <a:p>
-            <a:endParaRPr lang="en-IN" dirty="0"/>
-          </a:p>
-          <a:p>
-            <a:r>
-              <a:rPr lang="en-IN" dirty="0"/>
-              <a:t>print(type(name))</a:t>
-            </a:r>
-          </a:p>
-          <a:p>
-            <a:r>
-              <a:rPr lang="en-IN" dirty="0"/>
-              <a:t>print(type(age))</a:t>
-            </a:r>
-          </a:p>
-          <a:p>
-            <a:r>
-              <a:rPr lang="en-IN" dirty="0"/>
-              <a:t>Print(type(11.5))</a:t>
-            </a:r>
-          </a:p>
-        </p:txBody>
-      </p:sp>
-      <p:sp>
-        <p:nvSpPr>
-          <p:cNvPr id="5" name="TextBox 4">
-            <a:extLst>
-              <a:ext uri="{FF2B5EF4-FFF2-40B4-BE49-F238E27FC236}">
-                <a16:creationId xmlns:a16="http://schemas.microsoft.com/office/drawing/2014/main" id="{7B91BCFB-6FE5-4C59-8C0D-DDCEB481A432}"/>
-              </a:ext>
-            </a:extLst>
-          </p:cNvPr>
-          <p:cNvSpPr txBox="1"/>
-          <p:nvPr/>
-        </p:nvSpPr>
-        <p:spPr>
-          <a:xfrm>
-            <a:off x="4572000" y="2780928"/>
-            <a:ext cx="3600400" cy="2585323"/>
-          </a:xfrm>
-          <a:prstGeom prst="rect">
-            <a:avLst/>
-          </a:prstGeom>
-          <a:noFill/>
-        </p:spPr>
-        <p:txBody>
           <a:bodyPr wrap="square" rtlCol="0">
             <a:spAutoFit/>
           </a:bodyPr>
           <a:lstStyle/>
           <a:p>
             <a:r>
-              <a:rPr lang="en-IN" b="1" dirty="0"/>
-              <a:t>Age=int(input(“Enter your age”))</a:t>
-            </a:r>
-          </a:p>
-          <a:p>
-            <a:endParaRPr lang="en-IN" b="1" dirty="0"/>
-          </a:p>
-          <a:p>
-            <a:pPr marL="342900" indent="-342900">
-              <a:buFont typeface="+mj-lt"/>
-              <a:buAutoNum type="arabicPeriod"/>
-            </a:pPr>
-            <a:r>
               <a:rPr lang="en-IN" dirty="0"/>
-              <a:t>Print(“Enter your age”)</a:t>
-            </a:r>
-          </a:p>
-          <a:p>
-            <a:pPr marL="342900" indent="-342900">
-              <a:buFont typeface="+mj-lt"/>
-              <a:buAutoNum type="arabicPeriod"/>
-            </a:pPr>
+              <a:t>Create a calculator :</a:t>
+            </a:r>
+          </a:p>
+          <a:p>
             <a:r>
               <a:rPr lang="en-IN" dirty="0"/>
-              <a:t>Wait for user to provide the input</a:t>
-            </a:r>
-          </a:p>
-          <a:p>
-            <a:pPr marL="342900" indent="-342900">
-              <a:buFont typeface="+mj-lt"/>
-              <a:buAutoNum type="arabicPeriod"/>
-            </a:pPr>
+              <a:t>Given the numbers and the operators as well.</a:t>
+            </a:r>
+          </a:p>
+          <a:p>
+            <a:endParaRPr lang="en-IN" dirty="0"/>
+          </a:p>
+          <a:p>
+            <a:r>
+              <a:rPr lang="en-IN" dirty="0" err="1"/>
+              <a:t>Eg.</a:t>
+            </a:r>
+            <a:endParaRPr lang="en-IN" dirty="0"/>
+          </a:p>
+          <a:p>
+            <a:r>
+              <a:rPr lang="en-IN" dirty="0" err="1"/>
+              <a:t>Num</a:t>
+            </a:r>
             <a:r>
               <a:rPr lang="en-IN" dirty="0"/>
-              <a:t>User writes something</a:t>
-            </a:r>
-          </a:p>
-          <a:p>
-            <a:pPr marL="342900" indent="-342900">
-              <a:buFont typeface="+mj-lt"/>
-              <a:buAutoNum type="arabicPeriod"/>
-            </a:pPr>
+              <a:t>=20</a:t>
+            </a:r>
+          </a:p>
+          <a:p>
             <a:r>
               <a:rPr lang="en-IN" dirty="0"/>
-              <a:t>Int(string):</a:t>
-            </a:r>
-          </a:p>
-          <a:p>
-            <a:pPr marL="342900" indent="-342900">
-              <a:buFont typeface="+mj-lt"/>
-              <a:buAutoNum type="arabicPeriod"/>
-            </a:pPr>
+              <a:t>Num2=30</a:t>
+            </a:r>
+          </a:p>
+          <a:p>
             <a:r>
               <a:rPr lang="en-IN" dirty="0"/>
-              <a:t>Convert the string to integer.</a:t>
-            </a:r>
-          </a:p>
-          <a:p>
-            <a:pPr marL="342900" indent="-342900">
-              <a:buFont typeface="+mj-lt"/>
-              <a:buAutoNum type="arabicPeriod"/>
-            </a:pPr>
-            <a:r>
-              <a:rPr lang="en-IN" dirty="0"/>
-              <a:t>Value gets stored </a:t>
-            </a:r>
-            <a:r>
-              <a:rPr lang="en-IN" dirty="0" err="1"/>
-              <a:t>insode</a:t>
-            </a:r>
-            <a:r>
-              <a:rPr lang="en-IN" dirty="0"/>
-              <a:t> the container.</a:t>
+              <a:t>Operator =+,-,*,/</a:t>
             </a:r>
           </a:p>
         </p:txBody>
@@ -6759,7 +6763,7 @@
     </p:spTree>
     <p:extLst>
       <p:ext uri="{BB962C8B-B14F-4D97-AF65-F5344CB8AC3E}">
-        <p14:creationId xmlns:p14="http://schemas.microsoft.com/office/powerpoint/2010/main" val="652397489"/>
+        <p14:creationId xmlns:p14="http://schemas.microsoft.com/office/powerpoint/2010/main" val="2746658541"/>
       </p:ext>
     </p:extLst>
   </p:cSld>
@@ -6770,117 +6774,6 @@
 </file>
 
 <file path=ppt/slides/slide8.xml><?xml version="1.0" encoding="utf-8"?>
-<p:sld xmlns:a="http://schemas.openxmlformats.org/drawingml/2006/main" xmlns:r="http://schemas.openxmlformats.org/officeDocument/2006/relationships" xmlns:p="http://schemas.openxmlformats.org/presentationml/2006/main">
-  <p:cSld>
-    <p:spTree>
-      <p:nvGrpSpPr>
-        <p:cNvPr id="1" name=""/>
-        <p:cNvGrpSpPr/>
-        <p:nvPr/>
-      </p:nvGrpSpPr>
-      <p:grpSpPr>
-        <a:xfrm>
-          <a:off x="0" y="0"/>
-          <a:ext cx="0" cy="0"/>
-          <a:chOff x="0" y="0"/>
-          <a:chExt cx="0" cy="0"/>
-        </a:xfrm>
-      </p:grpSpPr>
-      <p:sp>
-        <p:nvSpPr>
-          <p:cNvPr id="2" name="Title 1">
-            <a:extLst>
-              <a:ext uri="{FF2B5EF4-FFF2-40B4-BE49-F238E27FC236}">
-                <a16:creationId xmlns:a16="http://schemas.microsoft.com/office/drawing/2014/main" id="{970ED656-37E3-4A09-A382-F4DE35C1F06D}"/>
-              </a:ext>
-            </a:extLst>
-          </p:cNvPr>
-          <p:cNvSpPr>
-            <a:spLocks noGrp="1"/>
-          </p:cNvSpPr>
-          <p:nvPr>
-            <p:ph type="title"/>
-          </p:nvPr>
-        </p:nvSpPr>
-        <p:spPr/>
-        <p:txBody>
-          <a:bodyPr/>
-          <a:lstStyle/>
-          <a:p>
-            <a:r>
-              <a:rPr lang="en-IN" dirty="0"/>
-              <a:t>Task</a:t>
-            </a:r>
-          </a:p>
-        </p:txBody>
-      </p:sp>
-      <p:sp>
-        <p:nvSpPr>
-          <p:cNvPr id="4" name="TextBox 3">
-            <a:extLst>
-              <a:ext uri="{FF2B5EF4-FFF2-40B4-BE49-F238E27FC236}">
-                <a16:creationId xmlns:a16="http://schemas.microsoft.com/office/drawing/2014/main" id="{3F33EC26-6369-465D-BB31-CEF20078864B}"/>
-              </a:ext>
-            </a:extLst>
-          </p:cNvPr>
-          <p:cNvSpPr txBox="1"/>
-          <p:nvPr/>
-        </p:nvSpPr>
-        <p:spPr>
-          <a:xfrm>
-            <a:off x="1259632" y="2996952"/>
-            <a:ext cx="6192688" cy="1200329"/>
-          </a:xfrm>
-          <a:prstGeom prst="rect">
-            <a:avLst/>
-          </a:prstGeom>
-          <a:noFill/>
-        </p:spPr>
-        <p:txBody>
-          <a:bodyPr wrap="square" rtlCol="0">
-            <a:spAutoFit/>
-          </a:bodyPr>
-          <a:lstStyle/>
-          <a:p>
-            <a:r>
-              <a:rPr lang="en-IN" dirty="0"/>
-              <a:t>Input two integer from user</a:t>
-            </a:r>
-          </a:p>
-          <a:p>
-            <a:r>
-              <a:rPr lang="en-IN" dirty="0"/>
-              <a:t>Print out those integers </a:t>
-            </a:r>
-          </a:p>
-          <a:p>
-            <a:r>
-              <a:rPr lang="en-IN" dirty="0"/>
-              <a:t>Input float variable</a:t>
-            </a:r>
-          </a:p>
-          <a:p>
-            <a:r>
-              <a:rPr lang="en-IN" dirty="0"/>
-              <a:t>print out the float value.</a:t>
-            </a:r>
-          </a:p>
-        </p:txBody>
-      </p:sp>
-    </p:spTree>
-    <p:extLst>
-      <p:ext uri="{BB962C8B-B14F-4D97-AF65-F5344CB8AC3E}">
-        <p14:creationId xmlns:p14="http://schemas.microsoft.com/office/powerpoint/2010/main" val="1585962154"/>
-      </p:ext>
-    </p:extLst>
-  </p:cSld>
-  <p:clrMapOvr>
-    <a:masterClrMapping/>
-  </p:clrMapOvr>
-</p:sld>
-</file>
-
-<file path=ppt/slides/slide9.xml><?xml version="1.0" encoding="utf-8"?>
 <p:sld xmlns:a="http://schemas.openxmlformats.org/drawingml/2006/main" xmlns:r="http://schemas.openxmlformats.org/officeDocument/2006/relationships" xmlns:p="http://schemas.openxmlformats.org/presentationml/2006/main">
   <p:cSld>
     <p:spTree>
